--- a/Slides/05_Growth_Comparison.pptx
+++ b/Slides/05_Growth_Comparison.pptx
@@ -898,6 +898,91 @@
 </p:notes>
 </file>
 
+<file path=ppt/notesSlides/notesSlide2.xml><?xml version="1.0" encoding="utf-8"?>
+<p:notes xmlns:a="http://schemas.openxmlformats.org/drawingml/2006/main" xmlns:r="http://schemas.openxmlformats.org/officeDocument/2006/relationships" xmlns:p="http://schemas.openxmlformats.org/presentationml/2006/main">
+  <p:cSld>
+    <p:spTree>
+      <p:nvGrpSpPr>
+        <p:cNvPr id="1" name=""/>
+        <p:cNvGrpSpPr/>
+        <p:nvPr/>
+      </p:nvGrpSpPr>
+      <p:grpSpPr>
+        <a:xfrm>
+          <a:off x="0" y="0"/>
+          <a:ext cx="0" cy="0"/>
+          <a:chOff x="0" y="0"/>
+          <a:chExt cx="0" cy="0"/>
+        </a:xfrm>
+      </p:grpSpPr>
+      <p:sp>
+        <p:nvSpPr>
+          <p:cNvPr id="2" name="Slide Image Placeholder 1"/>
+          <p:cNvSpPr>
+            <a:spLocks noGrp="1" noRot="1" noChangeAspect="1"/>
+          </p:cNvSpPr>
+          <p:nvPr>
+            <p:ph type="sldImg"/>
+          </p:nvPr>
+        </p:nvSpPr>
+        <p:spPr/>
+      </p:sp>
+      <p:sp>
+        <p:nvSpPr>
+          <p:cNvPr id="3" name="Notes Placeholder 2"/>
+          <p:cNvSpPr>
+            <a:spLocks noGrp="1"/>
+          </p:cNvSpPr>
+          <p:nvPr>
+            <p:ph type="body" idx="1"/>
+          </p:nvPr>
+        </p:nvSpPr>
+        <p:spPr/>
+        <p:txBody>
+          <a:bodyPr/>
+          <a:lstStyle/>
+          <a:p>
+            <a:endParaRPr lang="en-US"/>
+          </a:p>
+        </p:txBody>
+      </p:sp>
+      <p:sp>
+        <p:nvSpPr>
+          <p:cNvPr id="4" name="Slide Number Placeholder 3"/>
+          <p:cNvSpPr>
+            <a:spLocks noGrp="1"/>
+          </p:cNvSpPr>
+          <p:nvPr>
+            <p:ph type="sldNum" sz="quarter" idx="10"/>
+          </p:nvPr>
+        </p:nvSpPr>
+        <p:spPr/>
+        <p:txBody>
+          <a:bodyPr/>
+          <a:lstStyle/>
+          <a:p>
+            <a:fld id="{50525F3E-A22F-4AAF-9AA7-39450C98BB89}" type="slidenum">
+              <a:rPr lang="en-US" smtClean="0"/>
+              <a:pPr/>
+              <a:t>6</a:t>
+            </a:fld>
+            <a:endParaRPr lang="en-US"/>
+          </a:p>
+        </p:txBody>
+      </p:sp>
+    </p:spTree>
+    <p:extLst>
+      <p:ext uri="{BB962C8B-B14F-4D97-AF65-F5344CB8AC3E}">
+        <p14:creationId xmlns:p14="http://schemas.microsoft.com/office/powerpoint/2010/main" val="518909605"/>
+      </p:ext>
+    </p:extLst>
+  </p:cSld>
+  <p:clrMapOvr>
+    <a:masterClrMapping/>
+  </p:clrMapOvr>
+</p:notes>
+</file>
+
 <file path=ppt/slideLayouts/slideLayout1.xml><?xml version="1.0" encoding="utf-8"?>
 <p:sldLayout xmlns:a="http://schemas.openxmlformats.org/drawingml/2006/main" xmlns:r="http://schemas.openxmlformats.org/officeDocument/2006/relationships" xmlns:p="http://schemas.openxmlformats.org/presentationml/2006/main" showMasterSp="0" type="title" preserve="1">
   <p:cSld name="Title Slide">
@@ -1029,7 +1114,7 @@
           <a:p>
             <a:r>
               <a:rPr lang="en-US" smtClean="0"/>
-              <a:t>MNAFS 2013 - Growth</a:t>
+              <a:t>AFS15 - Growth Comparison</a:t>
             </a:r>
             <a:endParaRPr lang="en-US"/>
           </a:p>
@@ -1184,7 +1269,7 @@
           <a:p>
             <a:r>
               <a:rPr lang="en-US" smtClean="0"/>
-              <a:t>MNAFS 2013 - Growth</a:t>
+              <a:t>AFS15 - Growth Comparison</a:t>
             </a:r>
             <a:endParaRPr lang="en-US"/>
           </a:p>
@@ -1349,7 +1434,7 @@
           <a:p>
             <a:r>
               <a:rPr lang="en-US" smtClean="0"/>
-              <a:t>MNAFS 2013 - Growth</a:t>
+              <a:t>AFS15 - Growth Comparison</a:t>
             </a:r>
             <a:endParaRPr lang="en-US"/>
           </a:p>
@@ -1520,7 +1605,7 @@
           <a:p>
             <a:r>
               <a:rPr lang="en-US" smtClean="0"/>
-              <a:t>MNAFS 2013 - Growth</a:t>
+              <a:t>AFS15 - Growth Comparison</a:t>
             </a:r>
             <a:endParaRPr lang="en-US"/>
           </a:p>
@@ -1697,7 +1782,7 @@
           <a:p>
             <a:r>
               <a:rPr lang="en-US" smtClean="0"/>
-              <a:t>MNAFS 2013 - Growth</a:t>
+              <a:t>AFS15 - Growth Comparison</a:t>
             </a:r>
             <a:endParaRPr lang="en-US"/>
           </a:p>
@@ -1970,7 +2055,7 @@
           <a:p>
             <a:r>
               <a:rPr lang="en-US" smtClean="0"/>
-              <a:t>MNAFS 2013 - Growth</a:t>
+              <a:t>AFS15 - Growth Comparison</a:t>
             </a:r>
             <a:endParaRPr lang="en-US"/>
           </a:p>
@@ -2382,7 +2467,7 @@
           <a:p>
             <a:r>
               <a:rPr lang="en-US" smtClean="0"/>
-              <a:t>MNAFS 2013 - Growth</a:t>
+              <a:t>AFS15 - Growth Comparison</a:t>
             </a:r>
             <a:endParaRPr lang="en-US"/>
           </a:p>
@@ -2485,7 +2570,7 @@
           <a:p>
             <a:r>
               <a:rPr lang="en-US" smtClean="0"/>
-              <a:t>MNAFS 2013 - Growth</a:t>
+              <a:t>AFS15 - Growth Comparison</a:t>
             </a:r>
             <a:endParaRPr lang="en-US"/>
           </a:p>
@@ -2565,7 +2650,7 @@
           <a:p>
             <a:r>
               <a:rPr lang="en-US" smtClean="0"/>
-              <a:t>MNAFS 2013 - Growth</a:t>
+              <a:t>AFS15 - Growth Comparison</a:t>
             </a:r>
             <a:endParaRPr lang="en-US"/>
           </a:p>
@@ -2827,7 +2912,7 @@
           <a:p>
             <a:r>
               <a:rPr lang="en-US" smtClean="0"/>
-              <a:t>MNAFS 2013 - Growth</a:t>
+              <a:t>AFS15 - Growth Comparison</a:t>
             </a:r>
             <a:endParaRPr lang="en-US"/>
           </a:p>
@@ -3065,7 +3150,7 @@
           <a:p>
             <a:r>
               <a:rPr lang="en-US" smtClean="0"/>
-              <a:t>MNAFS 2013 - Growth</a:t>
+              <a:t>AFS15 - Growth Comparison</a:t>
             </a:r>
             <a:endParaRPr lang="en-US"/>
           </a:p>
@@ -3340,7 +3425,7 @@
           <a:p>
             <a:r>
               <a:rPr lang="en-US" smtClean="0"/>
-              <a:t>MNAFS 2013 - Growth</a:t>
+              <a:t>AFS15 - Growth Comparison</a:t>
             </a:r>
             <a:endParaRPr lang="en-US"/>
           </a:p>
@@ -3924,7 +4009,7 @@
           <a:p>
             <a:r>
               <a:rPr lang="en-US" smtClean="0"/>
-              <a:t>MNAFS 2013 - Growth</a:t>
+              <a:t>AFS15 - Growth Comparison</a:t>
             </a:r>
             <a:endParaRPr lang="en-US"/>
           </a:p>
@@ -4431,8 +4516,19 @@
             </a:r>
             <a:r>
               <a:rPr lang="en-US" dirty="0" smtClean="0"/>
-              <a:t>} and assess assumptions</a:t>
-            </a:r>
+              <a:t>} and assess </a:t>
+            </a:r>
+            <a:r>
+              <a:rPr lang="en-US" dirty="0" smtClean="0"/>
+              <a:t>assumptions</a:t>
+            </a:r>
+          </a:p>
+          <a:p>
+            <a:r>
+              <a:rPr lang="en-US" dirty="0" smtClean="0"/>
+              <a:t>Examine Handout</a:t>
+            </a:r>
+            <a:endParaRPr lang="en-US" dirty="0" smtClean="0"/>
           </a:p>
           <a:p>
             <a:pPr marL="514350" indent="-514350">
@@ -4444,7 +4540,7 @@
           <a:p>
             <a:pPr marL="514350" indent="-514350">
               <a:buFont typeface="+mj-lt"/>
-              <a:buAutoNum type="arabicPeriod"/>
+              <a:buAutoNum type="arabicPeriod" startAt="2"/>
             </a:pPr>
             <a:r>
               <a:rPr lang="en-US" dirty="0" smtClean="0"/>
@@ -4556,7 +4652,7 @@
           <a:p>
             <a:r>
               <a:rPr lang="en-US" smtClean="0"/>
-              <a:t>MNAFS 2013 - Growth</a:t>
+              <a:t>AFS15 - Growth Comparison</a:t>
             </a:r>
             <a:endParaRPr lang="en-US"/>
           </a:p>
@@ -4704,7 +4800,7 @@
                                         <p:tgtEl>
                                           <p:spTgt spid="3">
                                             <p:txEl>
-                                              <p:pRg st="2" end="2"/>
+                                              <p:pRg st="1" end="1"/>
                                             </p:txEl>
                                           </p:spTgt>
                                         </p:tgtEl>
@@ -4717,6 +4813,26 @@
                                       </p:to>
                                     </p:set>
                                   </p:childTnLst>
+                                  <p:subTnLst>
+                                    <p:animClr clrSpc="rgb" dir="cw">
+                                      <p:cBhvr override="childStyle">
+                                        <p:cTn dur="1" fill="hold" display="0" masterRel="nextClick" afterEffect="1"/>
+                                        <p:tgtEl>
+                                          <p:spTgt spid="3">
+                                            <p:txEl>
+                                              <p:pRg st="1" end="1"/>
+                                            </p:txEl>
+                                          </p:spTgt>
+                                        </p:tgtEl>
+                                        <p:attrNameLst>
+                                          <p:attrName>ppt_c</p:attrName>
+                                        </p:attrNameLst>
+                                      </p:cBhvr>
+                                      <p:to>
+                                        <a:srgbClr val="C0C0C0"/>
+                                      </p:to>
+                                    </p:animClr>
+                                  </p:subTnLst>
                                 </p:cTn>
                               </p:par>
                             </p:childTnLst>
@@ -4823,6 +4939,55 @@
                       </p:childTnLst>
                     </p:cTn>
                   </p:par>
+                  <p:par>
+                    <p:cTn id="19" fill="hold">
+                      <p:stCondLst>
+                        <p:cond delay="indefinite"/>
+                      </p:stCondLst>
+                      <p:childTnLst>
+                        <p:par>
+                          <p:cTn id="20" fill="hold">
+                            <p:stCondLst>
+                              <p:cond delay="0"/>
+                            </p:stCondLst>
+                            <p:childTnLst>
+                              <p:par>
+                                <p:cTn id="21" presetID="1" presetClass="entr" presetSubtype="0" fill="hold" grpId="0" nodeType="clickEffect">
+                                  <p:stCondLst>
+                                    <p:cond delay="0"/>
+                                  </p:stCondLst>
+                                  <p:childTnLst>
+                                    <p:set>
+                                      <p:cBhvr>
+                                        <p:cTn id="22" dur="1" fill="hold">
+                                          <p:stCondLst>
+                                            <p:cond delay="0"/>
+                                          </p:stCondLst>
+                                        </p:cTn>
+                                        <p:tgtEl>
+                                          <p:spTgt spid="3">
+                                            <p:txEl>
+                                              <p:pRg st="5" end="5"/>
+                                            </p:txEl>
+                                          </p:spTgt>
+                                        </p:tgtEl>
+                                        <p:attrNameLst>
+                                          <p:attrName>style.visibility</p:attrName>
+                                        </p:attrNameLst>
+                                      </p:cBhvr>
+                                      <p:to>
+                                        <p:strVal val="visible"/>
+                                      </p:to>
+                                    </p:set>
+                                  </p:childTnLst>
+                                </p:cTn>
+                              </p:par>
+                            </p:childTnLst>
+                          </p:cTn>
+                        </p:par>
+                      </p:childTnLst>
+                    </p:cTn>
+                  </p:par>
                 </p:childTnLst>
               </p:cTn>
               <p:prevCondLst>
@@ -4926,7 +5091,7 @@
             </a:r>
           </a:p>
           <a:p>
-            <a:endParaRPr lang="en-US" dirty="0"/>
+            <a:endParaRPr lang="en-US" sz="1800" dirty="0"/>
           </a:p>
           <a:p>
             <a:r>
@@ -4950,12 +5115,25 @@
           </a:p>
           <a:p>
             <a:pPr lvl="1"/>
-            <a:endParaRPr lang="en-US" dirty="0"/>
+            <a:endParaRPr lang="en-US" sz="1800" dirty="0"/>
           </a:p>
           <a:p>
             <a:r>
               <a:rPr lang="en-US" dirty="0" smtClean="0"/>
-              <a:t>Functionally equivalent for large n.</a:t>
+              <a:t>Functionally equivalent for large n</a:t>
+            </a:r>
+            <a:r>
+              <a:rPr lang="en-US" dirty="0" smtClean="0"/>
+              <a:t>.</a:t>
+            </a:r>
+          </a:p>
+          <a:p>
+            <a:endParaRPr lang="en-US" sz="1800" dirty="0"/>
+          </a:p>
+          <a:p>
+            <a:r>
+              <a:rPr lang="en-US" dirty="0" smtClean="0"/>
+              <a:t>Examine Handout</a:t>
             </a:r>
             <a:endParaRPr lang="en-US" dirty="0"/>
           </a:p>
@@ -4978,7 +5156,7 @@
           <a:p>
             <a:r>
               <a:rPr lang="en-US" smtClean="0"/>
-              <a:t>MNAFS 2013 - Growth</a:t>
+              <a:t>AFS15 - Growth Comparison</a:t>
             </a:r>
             <a:endParaRPr lang="en-US"/>
           </a:p>
@@ -5021,9 +5199,518 @@
   <p:timing>
     <p:tnLst>
       <p:par>
-        <p:cTn id="1" dur="indefinite" restart="never" nodeType="tmRoot"/>
+        <p:cTn id="1" dur="indefinite" restart="never" nodeType="tmRoot">
+          <p:childTnLst>
+            <p:seq concurrent="1" nextAc="seek">
+              <p:cTn id="2" dur="indefinite" nodeType="mainSeq">
+                <p:childTnLst>
+                  <p:par>
+                    <p:cTn id="3" fill="hold">
+                      <p:stCondLst>
+                        <p:cond delay="indefinite"/>
+                        <p:cond evt="onBegin" delay="0">
+                          <p:tn val="2"/>
+                        </p:cond>
+                      </p:stCondLst>
+                      <p:childTnLst>
+                        <p:par>
+                          <p:cTn id="4" fill="hold">
+                            <p:stCondLst>
+                              <p:cond delay="0"/>
+                            </p:stCondLst>
+                            <p:childTnLst>
+                              <p:par>
+                                <p:cTn id="5" presetID="1" presetClass="entr" presetSubtype="0" fill="hold" grpId="0" nodeType="withEffect">
+                                  <p:stCondLst>
+                                    <p:cond delay="0"/>
+                                  </p:stCondLst>
+                                  <p:childTnLst>
+                                    <p:set>
+                                      <p:cBhvr>
+                                        <p:cTn id="6" dur="1" fill="hold">
+                                          <p:stCondLst>
+                                            <p:cond delay="0"/>
+                                          </p:stCondLst>
+                                        </p:cTn>
+                                        <p:tgtEl>
+                                          <p:spTgt spid="3">
+                                            <p:txEl>
+                                              <p:pRg st="0" end="0"/>
+                                            </p:txEl>
+                                          </p:spTgt>
+                                        </p:tgtEl>
+                                        <p:attrNameLst>
+                                          <p:attrName>style.visibility</p:attrName>
+                                        </p:attrNameLst>
+                                      </p:cBhvr>
+                                      <p:to>
+                                        <p:strVal val="visible"/>
+                                      </p:to>
+                                    </p:set>
+                                  </p:childTnLst>
+                                  <p:subTnLst>
+                                    <p:animClr clrSpc="rgb" dir="cw">
+                                      <p:cBhvr override="childStyle">
+                                        <p:cTn dur="1" fill="hold" display="0" masterRel="nextClick" afterEffect="1"/>
+                                        <p:tgtEl>
+                                          <p:spTgt spid="3">
+                                            <p:txEl>
+                                              <p:pRg st="0" end="0"/>
+                                            </p:txEl>
+                                          </p:spTgt>
+                                        </p:tgtEl>
+                                        <p:attrNameLst>
+                                          <p:attrName>ppt_c</p:attrName>
+                                        </p:attrNameLst>
+                                      </p:cBhvr>
+                                      <p:to>
+                                        <a:srgbClr val="C0C0C0"/>
+                                      </p:to>
+                                    </p:animClr>
+                                  </p:subTnLst>
+                                </p:cTn>
+                              </p:par>
+                              <p:par>
+                                <p:cTn id="7" presetID="1" presetClass="entr" presetSubtype="0" fill="hold" grpId="0" nodeType="withEffect">
+                                  <p:stCondLst>
+                                    <p:cond delay="0"/>
+                                  </p:stCondLst>
+                                  <p:childTnLst>
+                                    <p:set>
+                                      <p:cBhvr>
+                                        <p:cTn id="8" dur="1" fill="hold">
+                                          <p:stCondLst>
+                                            <p:cond delay="0"/>
+                                          </p:stCondLst>
+                                        </p:cTn>
+                                        <p:tgtEl>
+                                          <p:spTgt spid="3">
+                                            <p:txEl>
+                                              <p:pRg st="1" end="1"/>
+                                            </p:txEl>
+                                          </p:spTgt>
+                                        </p:tgtEl>
+                                        <p:attrNameLst>
+                                          <p:attrName>style.visibility</p:attrName>
+                                        </p:attrNameLst>
+                                      </p:cBhvr>
+                                      <p:to>
+                                        <p:strVal val="visible"/>
+                                      </p:to>
+                                    </p:set>
+                                  </p:childTnLst>
+                                  <p:subTnLst>
+                                    <p:animClr clrSpc="rgb" dir="cw">
+                                      <p:cBhvr override="childStyle">
+                                        <p:cTn dur="1" fill="hold" display="0" masterRel="nextClick" afterEffect="1"/>
+                                        <p:tgtEl>
+                                          <p:spTgt spid="3">
+                                            <p:txEl>
+                                              <p:pRg st="1" end="1"/>
+                                            </p:txEl>
+                                          </p:spTgt>
+                                        </p:tgtEl>
+                                        <p:attrNameLst>
+                                          <p:attrName>ppt_c</p:attrName>
+                                        </p:attrNameLst>
+                                      </p:cBhvr>
+                                      <p:to>
+                                        <a:srgbClr val="C0C0C0"/>
+                                      </p:to>
+                                    </p:animClr>
+                                  </p:subTnLst>
+                                </p:cTn>
+                              </p:par>
+                              <p:par>
+                                <p:cTn id="9" presetID="1" presetClass="entr" presetSubtype="0" fill="hold" grpId="0" nodeType="withEffect">
+                                  <p:stCondLst>
+                                    <p:cond delay="0"/>
+                                  </p:stCondLst>
+                                  <p:childTnLst>
+                                    <p:set>
+                                      <p:cBhvr>
+                                        <p:cTn id="10" dur="1" fill="hold">
+                                          <p:stCondLst>
+                                            <p:cond delay="0"/>
+                                          </p:stCondLst>
+                                        </p:cTn>
+                                        <p:tgtEl>
+                                          <p:spTgt spid="3">
+                                            <p:txEl>
+                                              <p:pRg st="2" end="2"/>
+                                            </p:txEl>
+                                          </p:spTgt>
+                                        </p:tgtEl>
+                                        <p:attrNameLst>
+                                          <p:attrName>style.visibility</p:attrName>
+                                        </p:attrNameLst>
+                                      </p:cBhvr>
+                                      <p:to>
+                                        <p:strVal val="visible"/>
+                                      </p:to>
+                                    </p:set>
+                                  </p:childTnLst>
+                                  <p:subTnLst>
+                                    <p:animClr clrSpc="rgb" dir="cw">
+                                      <p:cBhvr override="childStyle">
+                                        <p:cTn dur="1" fill="hold" display="0" masterRel="nextClick" afterEffect="1"/>
+                                        <p:tgtEl>
+                                          <p:spTgt spid="3">
+                                            <p:txEl>
+                                              <p:pRg st="2" end="2"/>
+                                            </p:txEl>
+                                          </p:spTgt>
+                                        </p:tgtEl>
+                                        <p:attrNameLst>
+                                          <p:attrName>ppt_c</p:attrName>
+                                        </p:attrNameLst>
+                                      </p:cBhvr>
+                                      <p:to>
+                                        <a:srgbClr val="C0C0C0"/>
+                                      </p:to>
+                                    </p:animClr>
+                                  </p:subTnLst>
+                                </p:cTn>
+                              </p:par>
+                            </p:childTnLst>
+                          </p:cTn>
+                        </p:par>
+                      </p:childTnLst>
+                    </p:cTn>
+                  </p:par>
+                  <p:par>
+                    <p:cTn id="11" fill="hold">
+                      <p:stCondLst>
+                        <p:cond delay="indefinite"/>
+                      </p:stCondLst>
+                      <p:childTnLst>
+                        <p:par>
+                          <p:cTn id="12" fill="hold">
+                            <p:stCondLst>
+                              <p:cond delay="0"/>
+                            </p:stCondLst>
+                            <p:childTnLst>
+                              <p:par>
+                                <p:cTn id="13" presetID="1" presetClass="entr" presetSubtype="0" fill="hold" grpId="0" nodeType="clickEffect">
+                                  <p:stCondLst>
+                                    <p:cond delay="0"/>
+                                  </p:stCondLst>
+                                  <p:childTnLst>
+                                    <p:set>
+                                      <p:cBhvr>
+                                        <p:cTn id="14" dur="1" fill="hold">
+                                          <p:stCondLst>
+                                            <p:cond delay="0"/>
+                                          </p:stCondLst>
+                                        </p:cTn>
+                                        <p:tgtEl>
+                                          <p:spTgt spid="3">
+                                            <p:txEl>
+                                              <p:pRg st="4" end="4"/>
+                                            </p:txEl>
+                                          </p:spTgt>
+                                        </p:tgtEl>
+                                        <p:attrNameLst>
+                                          <p:attrName>style.visibility</p:attrName>
+                                        </p:attrNameLst>
+                                      </p:cBhvr>
+                                      <p:to>
+                                        <p:strVal val="visible"/>
+                                      </p:to>
+                                    </p:set>
+                                  </p:childTnLst>
+                                </p:cTn>
+                              </p:par>
+                              <p:par>
+                                <p:cTn id="15" presetID="1" presetClass="entr" presetSubtype="0" fill="hold" grpId="0" nodeType="withEffect">
+                                  <p:stCondLst>
+                                    <p:cond delay="0"/>
+                                  </p:stCondLst>
+                                  <p:childTnLst>
+                                    <p:set>
+                                      <p:cBhvr>
+                                        <p:cTn id="16" dur="1" fill="hold">
+                                          <p:stCondLst>
+                                            <p:cond delay="0"/>
+                                          </p:stCondLst>
+                                        </p:cTn>
+                                        <p:tgtEl>
+                                          <p:spTgt spid="3">
+                                            <p:txEl>
+                                              <p:pRg st="5" end="5"/>
+                                            </p:txEl>
+                                          </p:spTgt>
+                                        </p:tgtEl>
+                                        <p:attrNameLst>
+                                          <p:attrName>style.visibility</p:attrName>
+                                        </p:attrNameLst>
+                                      </p:cBhvr>
+                                      <p:to>
+                                        <p:strVal val="visible"/>
+                                      </p:to>
+                                    </p:set>
+                                  </p:childTnLst>
+                                  <p:subTnLst>
+                                    <p:animClr clrSpc="rgb" dir="cw">
+                                      <p:cBhvr override="childStyle">
+                                        <p:cTn dur="1" fill="hold" display="0" masterRel="nextClick" afterEffect="1"/>
+                                        <p:tgtEl>
+                                          <p:spTgt spid="3">
+                                            <p:txEl>
+                                              <p:pRg st="5" end="5"/>
+                                            </p:txEl>
+                                          </p:spTgt>
+                                        </p:tgtEl>
+                                        <p:attrNameLst>
+                                          <p:attrName>ppt_c</p:attrName>
+                                        </p:attrNameLst>
+                                      </p:cBhvr>
+                                      <p:to>
+                                        <a:srgbClr val="C0C0C0"/>
+                                      </p:to>
+                                    </p:animClr>
+                                  </p:subTnLst>
+                                </p:cTn>
+                              </p:par>
+                              <p:par>
+                                <p:cTn id="17" presetID="1" presetClass="entr" presetSubtype="0" fill="hold" grpId="0" nodeType="withEffect">
+                                  <p:stCondLst>
+                                    <p:cond delay="0"/>
+                                  </p:stCondLst>
+                                  <p:childTnLst>
+                                    <p:set>
+                                      <p:cBhvr>
+                                        <p:cTn id="18" dur="1" fill="hold">
+                                          <p:stCondLst>
+                                            <p:cond delay="0"/>
+                                          </p:stCondLst>
+                                        </p:cTn>
+                                        <p:tgtEl>
+                                          <p:spTgt spid="3">
+                                            <p:txEl>
+                                              <p:pRg st="6" end="6"/>
+                                            </p:txEl>
+                                          </p:spTgt>
+                                        </p:tgtEl>
+                                        <p:attrNameLst>
+                                          <p:attrName>style.visibility</p:attrName>
+                                        </p:attrNameLst>
+                                      </p:cBhvr>
+                                      <p:to>
+                                        <p:strVal val="visible"/>
+                                      </p:to>
+                                    </p:set>
+                                  </p:childTnLst>
+                                  <p:subTnLst>
+                                    <p:animClr clrSpc="rgb" dir="cw">
+                                      <p:cBhvr override="childStyle">
+                                        <p:cTn dur="1" fill="hold" display="0" masterRel="nextClick" afterEffect="1"/>
+                                        <p:tgtEl>
+                                          <p:spTgt spid="3">
+                                            <p:txEl>
+                                              <p:pRg st="6" end="6"/>
+                                            </p:txEl>
+                                          </p:spTgt>
+                                        </p:tgtEl>
+                                        <p:attrNameLst>
+                                          <p:attrName>ppt_c</p:attrName>
+                                        </p:attrNameLst>
+                                      </p:cBhvr>
+                                      <p:to>
+                                        <a:srgbClr val="C0C0C0"/>
+                                      </p:to>
+                                    </p:animClr>
+                                  </p:subTnLst>
+                                </p:cTn>
+                              </p:par>
+                            </p:childTnLst>
+                          </p:cTn>
+                        </p:par>
+                      </p:childTnLst>
+                    </p:cTn>
+                  </p:par>
+                  <p:par>
+                    <p:cTn id="19" fill="hold">
+                      <p:stCondLst>
+                        <p:cond delay="indefinite"/>
+                      </p:stCondLst>
+                      <p:childTnLst>
+                        <p:par>
+                          <p:cTn id="20" fill="hold">
+                            <p:stCondLst>
+                              <p:cond delay="0"/>
+                            </p:stCondLst>
+                            <p:childTnLst>
+                              <p:par>
+                                <p:cTn id="21" presetID="1" presetClass="entr" presetSubtype="0" fill="hold" nodeType="clickEffect">
+                                  <p:stCondLst>
+                                    <p:cond delay="0"/>
+                                  </p:stCondLst>
+                                  <p:childTnLst>
+                                    <p:set>
+                                      <p:cBhvr>
+                                        <p:cTn id="22" dur="1" fill="hold">
+                                          <p:stCondLst>
+                                            <p:cond delay="0"/>
+                                          </p:stCondLst>
+                                        </p:cTn>
+                                        <p:tgtEl>
+                                          <p:spTgt spid="3">
+                                            <p:txEl>
+                                              <p:pRg st="0" end="0"/>
+                                            </p:txEl>
+                                          </p:spTgt>
+                                        </p:tgtEl>
+                                        <p:attrNameLst>
+                                          <p:attrName>style.visibility</p:attrName>
+                                        </p:attrNameLst>
+                                      </p:cBhvr>
+                                      <p:to>
+                                        <p:strVal val="visible"/>
+                                      </p:to>
+                                    </p:set>
+                                  </p:childTnLst>
+                                  <p:subTnLst>
+                                    <p:animClr clrSpc="rgb" dir="cw">
+                                      <p:cBhvr override="childStyle">
+                                        <p:cTn dur="1" fill="hold" display="0" masterRel="nextClick" afterEffect="1"/>
+                                        <p:tgtEl>
+                                          <p:spTgt spid="3">
+                                            <p:txEl>
+                                              <p:pRg st="0" end="0"/>
+                                            </p:txEl>
+                                          </p:spTgt>
+                                        </p:tgtEl>
+                                        <p:attrNameLst>
+                                          <p:attrName>ppt_c</p:attrName>
+                                        </p:attrNameLst>
+                                      </p:cBhvr>
+                                      <p:to>
+                                        <a:schemeClr val="tx1"/>
+                                      </p:to>
+                                    </p:animClr>
+                                  </p:subTnLst>
+                                </p:cTn>
+                              </p:par>
+                            </p:childTnLst>
+                          </p:cTn>
+                        </p:par>
+                        <p:par>
+                          <p:cTn id="23" fill="hold">
+                            <p:stCondLst>
+                              <p:cond delay="0"/>
+                            </p:stCondLst>
+                            <p:childTnLst>
+                              <p:par>
+                                <p:cTn id="24" presetID="1" presetClass="entr" presetSubtype="0" fill="hold" grpId="0" nodeType="afterEffect">
+                                  <p:stCondLst>
+                                    <p:cond delay="0"/>
+                                  </p:stCondLst>
+                                  <p:childTnLst>
+                                    <p:set>
+                                      <p:cBhvr>
+                                        <p:cTn id="25" dur="1" fill="hold">
+                                          <p:stCondLst>
+                                            <p:cond delay="0"/>
+                                          </p:stCondLst>
+                                        </p:cTn>
+                                        <p:tgtEl>
+                                          <p:spTgt spid="3">
+                                            <p:txEl>
+                                              <p:pRg st="8" end="8"/>
+                                            </p:txEl>
+                                          </p:spTgt>
+                                        </p:tgtEl>
+                                        <p:attrNameLst>
+                                          <p:attrName>style.visibility</p:attrName>
+                                        </p:attrNameLst>
+                                      </p:cBhvr>
+                                      <p:to>
+                                        <p:strVal val="visible"/>
+                                      </p:to>
+                                    </p:set>
+                                  </p:childTnLst>
+                                </p:cTn>
+                              </p:par>
+                            </p:childTnLst>
+                          </p:cTn>
+                        </p:par>
+                      </p:childTnLst>
+                    </p:cTn>
+                  </p:par>
+                  <p:par>
+                    <p:cTn id="26" fill="hold">
+                      <p:stCondLst>
+                        <p:cond delay="indefinite"/>
+                      </p:stCondLst>
+                      <p:childTnLst>
+                        <p:par>
+                          <p:cTn id="27" fill="hold">
+                            <p:stCondLst>
+                              <p:cond delay="0"/>
+                            </p:stCondLst>
+                            <p:childTnLst>
+                              <p:par>
+                                <p:cTn id="28" presetID="1" presetClass="entr" presetSubtype="0" fill="hold" grpId="0" nodeType="clickEffect">
+                                  <p:stCondLst>
+                                    <p:cond delay="0"/>
+                                  </p:stCondLst>
+                                  <p:childTnLst>
+                                    <p:set>
+                                      <p:cBhvr>
+                                        <p:cTn id="29" dur="1" fill="hold">
+                                          <p:stCondLst>
+                                            <p:cond delay="0"/>
+                                          </p:stCondLst>
+                                        </p:cTn>
+                                        <p:tgtEl>
+                                          <p:spTgt spid="3">
+                                            <p:txEl>
+                                              <p:pRg st="10" end="10"/>
+                                            </p:txEl>
+                                          </p:spTgt>
+                                        </p:tgtEl>
+                                        <p:attrNameLst>
+                                          <p:attrName>style.visibility</p:attrName>
+                                        </p:attrNameLst>
+                                      </p:cBhvr>
+                                      <p:to>
+                                        <p:strVal val="visible"/>
+                                      </p:to>
+                                    </p:set>
+                                  </p:childTnLst>
+                                </p:cTn>
+                              </p:par>
+                            </p:childTnLst>
+                          </p:cTn>
+                        </p:par>
+                      </p:childTnLst>
+                    </p:cTn>
+                  </p:par>
+                </p:childTnLst>
+              </p:cTn>
+              <p:prevCondLst>
+                <p:cond evt="onPrev" delay="0">
+                  <p:tgtEl>
+                    <p:sldTgt/>
+                  </p:tgtEl>
+                </p:cond>
+              </p:prevCondLst>
+              <p:nextCondLst>
+                <p:cond evt="onNext" delay="0">
+                  <p:tgtEl>
+                    <p:sldTgt/>
+                  </p:tgtEl>
+                </p:cond>
+              </p:nextCondLst>
+            </p:seq>
+          </p:childTnLst>
+        </p:cTn>
       </p:par>
     </p:tnLst>
+    <p:bldLst>
+      <p:bldP spid="3" grpId="0" uiExpand="1" build="p"/>
+    </p:bldLst>
   </p:timing>
 </p:sld>
 </file>
@@ -5248,6 +5935,13 @@
               <a:rPr lang="en-US" dirty="0" smtClean="0"/>
               <a:t>.</a:t>
             </a:r>
+          </a:p>
+          <a:p>
+            <a:pPr lvl="1"/>
+            <a:r>
+              <a:rPr lang="en-US" dirty="0" smtClean="0"/>
+              <a:t>Examine Handout</a:t>
+            </a:r>
             <a:endParaRPr lang="en-US" dirty="0"/>
           </a:p>
         </p:txBody>
@@ -5269,7 +5963,7 @@
           <a:p>
             <a:r>
               <a:rPr lang="en-US" smtClean="0"/>
-              <a:t>MNAFS 2013 - Growth</a:t>
+              <a:t>AFS15 - Growth Comparison</a:t>
             </a:r>
             <a:endParaRPr lang="en-US"/>
           </a:p>
@@ -5391,7 +6085,7 @@
         </p:nvSpPr>
         <p:spPr bwMode="auto">
           <a:xfrm>
-            <a:off x="0" y="6037448"/>
+            <a:off x="0" y="6054247"/>
             <a:ext cx="9144000" cy="727553"/>
           </a:xfrm>
           <a:prstGeom prst="rect">
@@ -5902,6 +6596,55 @@
                       </p:childTnLst>
                     </p:cTn>
                   </p:par>
+                  <p:par>
+                    <p:cTn id="30" fill="hold">
+                      <p:stCondLst>
+                        <p:cond delay="indefinite"/>
+                      </p:stCondLst>
+                      <p:childTnLst>
+                        <p:par>
+                          <p:cTn id="31" fill="hold">
+                            <p:stCondLst>
+                              <p:cond delay="0"/>
+                            </p:stCondLst>
+                            <p:childTnLst>
+                              <p:par>
+                                <p:cTn id="32" presetID="1" presetClass="entr" presetSubtype="0" fill="hold" grpId="0" nodeType="clickEffect">
+                                  <p:stCondLst>
+                                    <p:cond delay="0"/>
+                                  </p:stCondLst>
+                                  <p:childTnLst>
+                                    <p:set>
+                                      <p:cBhvr>
+                                        <p:cTn id="33" dur="1" fill="hold">
+                                          <p:stCondLst>
+                                            <p:cond delay="0"/>
+                                          </p:stCondLst>
+                                        </p:cTn>
+                                        <p:tgtEl>
+                                          <p:spTgt spid="3">
+                                            <p:txEl>
+                                              <p:pRg st="6" end="6"/>
+                                            </p:txEl>
+                                          </p:spTgt>
+                                        </p:tgtEl>
+                                        <p:attrNameLst>
+                                          <p:attrName>style.visibility</p:attrName>
+                                        </p:attrNameLst>
+                                      </p:cBhvr>
+                                      <p:to>
+                                        <p:strVal val="visible"/>
+                                      </p:to>
+                                    </p:set>
+                                  </p:childTnLst>
+                                </p:cTn>
+                              </p:par>
+                            </p:childTnLst>
+                          </p:cTn>
+                        </p:par>
+                      </p:childTnLst>
+                    </p:cTn>
+                  </p:par>
                 </p:childTnLst>
               </p:cTn>
               <p:prevCondLst>
@@ -6048,7 +6791,22 @@
               <a:rPr lang="en-US" dirty="0" smtClean="0">
                 <a:sym typeface="Wingdings" panose="05000000000000000000" pitchFamily="2" charset="2"/>
               </a:rPr>
-              <a:t>groups.</a:t>
+              <a:t>groups</a:t>
+            </a:r>
+            <a:r>
+              <a:rPr lang="en-US" dirty="0" smtClean="0">
+                <a:sym typeface="Wingdings" panose="05000000000000000000" pitchFamily="2" charset="2"/>
+              </a:rPr>
+              <a:t>.</a:t>
+            </a:r>
+          </a:p>
+          <a:p>
+            <a:pPr lvl="1"/>
+            <a:r>
+              <a:rPr lang="en-US" dirty="0" smtClean="0">
+                <a:sym typeface="Wingdings" panose="05000000000000000000" pitchFamily="2" charset="2"/>
+              </a:rPr>
+              <a:t>Examine Handout</a:t>
             </a:r>
             <a:endParaRPr lang="en-US" dirty="0">
               <a:sym typeface="Wingdings" panose="05000000000000000000" pitchFamily="2" charset="2"/>
@@ -6073,7 +6831,7 @@
           <a:p>
             <a:r>
               <a:rPr lang="en-US" smtClean="0"/>
-              <a:t>MNAFS 2013 - Growth</a:t>
+              <a:t>AFS15 - Growth Comparison</a:t>
             </a:r>
             <a:endParaRPr lang="en-US"/>
           </a:p>
@@ -6112,7 +6870,7 @@
           <p:nvPr/>
         </p:nvPicPr>
         <p:blipFill>
-          <a:blip r:embed="rId2"/>
+          <a:blip r:embed="rId3"/>
           <a:stretch>
             <a:fillRect/>
           </a:stretch>

--- a/Slides/05_Growth_Comparison.pptx
+++ b/Slides/05_Growth_Comparison.pptx
@@ -5,10 +5,10 @@
     <p:sldMasterId id="2147483648" r:id="rId1"/>
   </p:sldMasterIdLst>
   <p:notesMasterIdLst>
-    <p:notesMasterId r:id="rId8"/>
+    <p:notesMasterId r:id="rId9"/>
   </p:notesMasterIdLst>
   <p:handoutMasterIdLst>
-    <p:handoutMasterId r:id="rId9"/>
+    <p:handoutMasterId r:id="rId10"/>
   </p:handoutMasterIdLst>
   <p:sldIdLst>
     <p:sldId id="334" r:id="rId2"/>
@@ -17,6 +17,7 @@
     <p:sldId id="348" r:id="rId5"/>
     <p:sldId id="346" r:id="rId6"/>
     <p:sldId id="347" r:id="rId7"/>
+    <p:sldId id="349" r:id="rId8"/>
   </p:sldIdLst>
   <p:sldSz cx="9144000" cy="6858000" type="screen4x3"/>
   <p:notesSz cx="6858000" cy="9190038"/>
@@ -4516,11 +4517,7 @@
             </a:r>
             <a:r>
               <a:rPr lang="en-US" dirty="0" smtClean="0"/>
-              <a:t>} and assess </a:t>
-            </a:r>
-            <a:r>
-              <a:rPr lang="en-US" dirty="0" smtClean="0"/>
-              <a:t>assumptions</a:t>
+              <a:t>} and assess assumptions</a:t>
             </a:r>
           </a:p>
           <a:p>
@@ -4528,7 +4525,6 @@
               <a:rPr lang="en-US" dirty="0" smtClean="0"/>
               <a:t>Examine Handout</a:t>
             </a:r>
-            <a:endParaRPr lang="en-US" dirty="0" smtClean="0"/>
           </a:p>
           <a:p>
             <a:pPr marL="514350" indent="-514350">
@@ -5120,11 +5116,7 @@
           <a:p>
             <a:r>
               <a:rPr lang="en-US" dirty="0" smtClean="0"/>
-              <a:t>Functionally equivalent for large n</a:t>
-            </a:r>
-            <a:r>
-              <a:rPr lang="en-US" dirty="0" smtClean="0"/>
-              <a:t>.</a:t>
+              <a:t>Functionally equivalent for large n.</a:t>
             </a:r>
           </a:p>
           <a:p>
@@ -6791,13 +6783,7 @@
               <a:rPr lang="en-US" dirty="0" smtClean="0">
                 <a:sym typeface="Wingdings" panose="05000000000000000000" pitchFamily="2" charset="2"/>
               </a:rPr>
-              <a:t>groups</a:t>
-            </a:r>
-            <a:r>
-              <a:rPr lang="en-US" dirty="0" smtClean="0">
-                <a:sym typeface="Wingdings" panose="05000000000000000000" pitchFamily="2" charset="2"/>
-              </a:rPr>
-              <a:t>.</a:t>
+              <a:t>groups.</a:t>
             </a:r>
           </a:p>
           <a:p>
@@ -7305,6 +7291,175 @@
       <p:bldP spid="13" grpId="0" animBg="1"/>
     </p:bldLst>
   </p:timing>
+</p:sld>
+</file>
+
+<file path=ppt/slides/slide7.xml><?xml version="1.0" encoding="utf-8"?>
+<p:sld xmlns:a="http://schemas.openxmlformats.org/drawingml/2006/main" xmlns:r="http://schemas.openxmlformats.org/officeDocument/2006/relationships" xmlns:p="http://schemas.openxmlformats.org/presentationml/2006/main">
+  <p:cSld>
+    <p:spTree>
+      <p:nvGrpSpPr>
+        <p:cNvPr id="1" name=""/>
+        <p:cNvGrpSpPr/>
+        <p:nvPr/>
+      </p:nvGrpSpPr>
+      <p:grpSpPr>
+        <a:xfrm>
+          <a:off x="0" y="0"/>
+          <a:ext cx="0" cy="0"/>
+          <a:chOff x="0" y="0"/>
+          <a:chExt cx="0" cy="0"/>
+        </a:xfrm>
+      </p:grpSpPr>
+      <p:sp>
+        <p:nvSpPr>
+          <p:cNvPr id="2" name="Title 1"/>
+          <p:cNvSpPr>
+            <a:spLocks noGrp="1"/>
+          </p:cNvSpPr>
+          <p:nvPr>
+            <p:ph type="title"/>
+          </p:nvPr>
+        </p:nvSpPr>
+        <p:spPr/>
+        <p:txBody>
+          <a:bodyPr/>
+          <a:lstStyle/>
+          <a:p>
+            <a:r>
+              <a:rPr lang="en-US" dirty="0" smtClean="0"/>
+              <a:t>Growth Comparisons Exercises</a:t>
+            </a:r>
+            <a:endParaRPr lang="en-US" dirty="0"/>
+          </a:p>
+        </p:txBody>
+      </p:sp>
+      <p:sp>
+        <p:nvSpPr>
+          <p:cNvPr id="3" name="Content Placeholder 2"/>
+          <p:cNvSpPr>
+            <a:spLocks noGrp="1"/>
+          </p:cNvSpPr>
+          <p:nvPr>
+            <p:ph idx="1"/>
+          </p:nvPr>
+        </p:nvSpPr>
+        <p:spPr>
+          <a:xfrm>
+            <a:off x="457200" y="1600200"/>
+            <a:ext cx="8458200" cy="4191000"/>
+          </a:xfrm>
+        </p:spPr>
+        <p:txBody>
+          <a:bodyPr/>
+          <a:lstStyle/>
+          <a:p>
+            <a:r>
+              <a:rPr lang="en-US" dirty="0" smtClean="0"/>
+              <a:t>Complete Exercise 12.5.</a:t>
+            </a:r>
+          </a:p>
+          <a:p>
+            <a:endParaRPr lang="en-US" dirty="0"/>
+          </a:p>
+          <a:p>
+            <a:r>
+              <a:rPr lang="en-US" dirty="0" smtClean="0"/>
+              <a:t>(</a:t>
+            </a:r>
+            <a:r>
+              <a:rPr lang="en-US" b="1" dirty="0" smtClean="0">
+                <a:solidFill>
+                  <a:srgbClr val="C00000"/>
+                </a:solidFill>
+              </a:rPr>
+              <a:t>Time</a:t>
+            </a:r>
+            <a:r>
+              <a:rPr lang="en-US" dirty="0" smtClean="0"/>
+              <a:t> </a:t>
+            </a:r>
+            <a:r>
+              <a:rPr lang="en-US" b="1" dirty="0" smtClean="0">
+                <a:solidFill>
+                  <a:srgbClr val="C00000"/>
+                </a:solidFill>
+              </a:rPr>
+              <a:t>Permitting</a:t>
+            </a:r>
+            <a:r>
+              <a:rPr lang="en-US" dirty="0" smtClean="0"/>
+              <a:t>) Complete Exercise 12.6 (</a:t>
+            </a:r>
+            <a:r>
+              <a:rPr lang="en-US" i="1" dirty="0" smtClean="0"/>
+              <a:t>may require some additional instruction</a:t>
+            </a:r>
+            <a:r>
+              <a:rPr lang="en-US" dirty="0" smtClean="0"/>
+              <a:t>).</a:t>
+            </a:r>
+            <a:endParaRPr lang="en-US" dirty="0"/>
+          </a:p>
+        </p:txBody>
+      </p:sp>
+      <p:sp>
+        <p:nvSpPr>
+          <p:cNvPr id="4" name="Footer Placeholder 3"/>
+          <p:cNvSpPr>
+            <a:spLocks noGrp="1"/>
+          </p:cNvSpPr>
+          <p:nvPr>
+            <p:ph type="ftr" sz="quarter" idx="10"/>
+          </p:nvPr>
+        </p:nvSpPr>
+        <p:spPr/>
+        <p:txBody>
+          <a:bodyPr/>
+          <a:lstStyle/>
+          <a:p>
+            <a:r>
+              <a:rPr lang="en-US" smtClean="0"/>
+              <a:t>AFS15 - Growth Comparison</a:t>
+            </a:r>
+            <a:endParaRPr lang="en-US"/>
+          </a:p>
+        </p:txBody>
+      </p:sp>
+      <p:sp>
+        <p:nvSpPr>
+          <p:cNvPr id="5" name="Slide Number Placeholder 4"/>
+          <p:cNvSpPr>
+            <a:spLocks noGrp="1"/>
+          </p:cNvSpPr>
+          <p:nvPr>
+            <p:ph type="sldNum" sz="quarter" idx="11"/>
+          </p:nvPr>
+        </p:nvSpPr>
+        <p:spPr/>
+        <p:txBody>
+          <a:bodyPr/>
+          <a:lstStyle/>
+          <a:p>
+            <a:fld id="{ED6950E9-D724-4023-B9C4-CE5A7098C138}" type="slidenum">
+              <a:rPr lang="en-US" smtClean="0"/>
+              <a:pPr/>
+              <a:t>7</a:t>
+            </a:fld>
+            <a:endParaRPr lang="en-US"/>
+          </a:p>
+        </p:txBody>
+      </p:sp>
+    </p:spTree>
+    <p:extLst>
+      <p:ext uri="{BB962C8B-B14F-4D97-AF65-F5344CB8AC3E}">
+        <p14:creationId xmlns:p14="http://schemas.microsoft.com/office/powerpoint/2010/main" val="1074505727"/>
+      </p:ext>
+    </p:extLst>
+  </p:cSld>
+  <p:clrMapOvr>
+    <a:masterClrMapping/>
+  </p:clrMapOvr>
 </p:sld>
 </file>
 

--- a/Slides/05_Growth_Comparison.pptx
+++ b/Slides/05_Growth_Comparison.pptx
@@ -965,6 +965,91 @@
             <a:fld id="{50525F3E-A22F-4AAF-9AA7-39450C98BB89}" type="slidenum">
               <a:rPr lang="en-US" smtClean="0"/>
               <a:pPr/>
+              <a:t>2</a:t>
+            </a:fld>
+            <a:endParaRPr lang="en-US"/>
+          </a:p>
+        </p:txBody>
+      </p:sp>
+    </p:spTree>
+    <p:extLst>
+      <p:ext uri="{BB962C8B-B14F-4D97-AF65-F5344CB8AC3E}">
+        <p14:creationId xmlns:p14="http://schemas.microsoft.com/office/powerpoint/2010/main" val="875156350"/>
+      </p:ext>
+    </p:extLst>
+  </p:cSld>
+  <p:clrMapOvr>
+    <a:masterClrMapping/>
+  </p:clrMapOvr>
+</p:notes>
+</file>
+
+<file path=ppt/notesSlides/notesSlide3.xml><?xml version="1.0" encoding="utf-8"?>
+<p:notes xmlns:a="http://schemas.openxmlformats.org/drawingml/2006/main" xmlns:r="http://schemas.openxmlformats.org/officeDocument/2006/relationships" xmlns:p="http://schemas.openxmlformats.org/presentationml/2006/main">
+  <p:cSld>
+    <p:spTree>
+      <p:nvGrpSpPr>
+        <p:cNvPr id="1" name=""/>
+        <p:cNvGrpSpPr/>
+        <p:nvPr/>
+      </p:nvGrpSpPr>
+      <p:grpSpPr>
+        <a:xfrm>
+          <a:off x="0" y="0"/>
+          <a:ext cx="0" cy="0"/>
+          <a:chOff x="0" y="0"/>
+          <a:chExt cx="0" cy="0"/>
+        </a:xfrm>
+      </p:grpSpPr>
+      <p:sp>
+        <p:nvSpPr>
+          <p:cNvPr id="2" name="Slide Image Placeholder 1"/>
+          <p:cNvSpPr>
+            <a:spLocks noGrp="1" noRot="1" noChangeAspect="1"/>
+          </p:cNvSpPr>
+          <p:nvPr>
+            <p:ph type="sldImg"/>
+          </p:nvPr>
+        </p:nvSpPr>
+        <p:spPr/>
+      </p:sp>
+      <p:sp>
+        <p:nvSpPr>
+          <p:cNvPr id="3" name="Notes Placeholder 2"/>
+          <p:cNvSpPr>
+            <a:spLocks noGrp="1"/>
+          </p:cNvSpPr>
+          <p:nvPr>
+            <p:ph type="body" idx="1"/>
+          </p:nvPr>
+        </p:nvSpPr>
+        <p:spPr/>
+        <p:txBody>
+          <a:bodyPr/>
+          <a:lstStyle/>
+          <a:p>
+            <a:endParaRPr lang="en-US"/>
+          </a:p>
+        </p:txBody>
+      </p:sp>
+      <p:sp>
+        <p:nvSpPr>
+          <p:cNvPr id="4" name="Slide Number Placeholder 3"/>
+          <p:cNvSpPr>
+            <a:spLocks noGrp="1"/>
+          </p:cNvSpPr>
+          <p:nvPr>
+            <p:ph type="sldNum" sz="quarter" idx="10"/>
+          </p:nvPr>
+        </p:nvSpPr>
+        <p:spPr/>
+        <p:txBody>
+          <a:bodyPr/>
+          <a:lstStyle/>
+          <a:p>
+            <a:fld id="{50525F3E-A22F-4AAF-9AA7-39450C98BB89}" type="slidenum">
+              <a:rPr lang="en-US" smtClean="0"/>
+              <a:pPr/>
               <a:t>6</a:t>
             </a:fld>
             <a:endParaRPr lang="en-US"/>
@@ -1115,7 +1200,7 @@
           <a:p>
             <a:r>
               <a:rPr lang="en-US" smtClean="0"/>
-              <a:t>AFS15 - Growth Comparison</a:t>
+              <a:t>Age &amp; Growth R  ●  Portland, OR ●  16 August 2015</a:t>
             </a:r>
             <a:endParaRPr lang="en-US"/>
           </a:p>
@@ -1270,7 +1355,7 @@
           <a:p>
             <a:r>
               <a:rPr lang="en-US" smtClean="0"/>
-              <a:t>AFS15 - Growth Comparison</a:t>
+              <a:t>Age &amp; Growth R  ●  Portland, OR ●  16 August 2015</a:t>
             </a:r>
             <a:endParaRPr lang="en-US"/>
           </a:p>
@@ -1435,7 +1520,7 @@
           <a:p>
             <a:r>
               <a:rPr lang="en-US" smtClean="0"/>
-              <a:t>AFS15 - Growth Comparison</a:t>
+              <a:t>Age &amp; Growth R  ●  Portland, OR ●  16 August 2015</a:t>
             </a:r>
             <a:endParaRPr lang="en-US"/>
           </a:p>
@@ -1595,7 +1680,12 @@
             <p:ph type="ftr" sz="quarter" idx="10"/>
           </p:nvPr>
         </p:nvSpPr>
-        <p:spPr/>
+        <p:spPr>
+          <a:xfrm>
+            <a:off x="0" y="6553200"/>
+            <a:ext cx="4343400" cy="304800"/>
+          </a:xfrm>
+        </p:spPr>
         <p:txBody>
           <a:bodyPr/>
           <a:lstStyle>
@@ -1606,7 +1696,7 @@
           <a:p>
             <a:r>
               <a:rPr lang="en-US" smtClean="0"/>
-              <a:t>AFS15 - Growth Comparison</a:t>
+              <a:t>Age &amp; Growth R  ●  Portland, OR ●  16 August 2015</a:t>
             </a:r>
             <a:endParaRPr lang="en-US"/>
           </a:p>
@@ -1783,7 +1873,7 @@
           <a:p>
             <a:r>
               <a:rPr lang="en-US" smtClean="0"/>
-              <a:t>AFS15 - Growth Comparison</a:t>
+              <a:t>Age &amp; Growth R  ●  Portland, OR ●  16 August 2015</a:t>
             </a:r>
             <a:endParaRPr lang="en-US"/>
           </a:p>
@@ -2056,7 +2146,7 @@
           <a:p>
             <a:r>
               <a:rPr lang="en-US" smtClean="0"/>
-              <a:t>AFS15 - Growth Comparison</a:t>
+              <a:t>Age &amp; Growth R  ●  Portland, OR ●  16 August 2015</a:t>
             </a:r>
             <a:endParaRPr lang="en-US"/>
           </a:p>
@@ -2468,7 +2558,7 @@
           <a:p>
             <a:r>
               <a:rPr lang="en-US" smtClean="0"/>
-              <a:t>AFS15 - Growth Comparison</a:t>
+              <a:t>Age &amp; Growth R  ●  Portland, OR ●  16 August 2015</a:t>
             </a:r>
             <a:endParaRPr lang="en-US"/>
           </a:p>
@@ -2571,7 +2661,7 @@
           <a:p>
             <a:r>
               <a:rPr lang="en-US" smtClean="0"/>
-              <a:t>AFS15 - Growth Comparison</a:t>
+              <a:t>Age &amp; Growth R  ●  Portland, OR ●  16 August 2015</a:t>
             </a:r>
             <a:endParaRPr lang="en-US"/>
           </a:p>
@@ -2651,7 +2741,7 @@
           <a:p>
             <a:r>
               <a:rPr lang="en-US" smtClean="0"/>
-              <a:t>AFS15 - Growth Comparison</a:t>
+              <a:t>Age &amp; Growth R  ●  Portland, OR ●  16 August 2015</a:t>
             </a:r>
             <a:endParaRPr lang="en-US"/>
           </a:p>
@@ -2913,7 +3003,7 @@
           <a:p>
             <a:r>
               <a:rPr lang="en-US" smtClean="0"/>
-              <a:t>AFS15 - Growth Comparison</a:t>
+              <a:t>Age &amp; Growth R  ●  Portland, OR ●  16 August 2015</a:t>
             </a:r>
             <a:endParaRPr lang="en-US"/>
           </a:p>
@@ -3151,7 +3241,7 @@
           <a:p>
             <a:r>
               <a:rPr lang="en-US" smtClean="0"/>
-              <a:t>AFS15 - Growth Comparison</a:t>
+              <a:t>Age &amp; Growth R  ●  Portland, OR ●  16 August 2015</a:t>
             </a:r>
             <a:endParaRPr lang="en-US"/>
           </a:p>
@@ -3426,7 +3516,7 @@
           <a:p>
             <a:r>
               <a:rPr lang="en-US" smtClean="0"/>
-              <a:t>AFS15 - Growth Comparison</a:t>
+              <a:t>Age &amp; Growth R  ●  Portland, OR ●  16 August 2015</a:t>
             </a:r>
             <a:endParaRPr lang="en-US"/>
           </a:p>
@@ -3913,7 +4003,7 @@
       </p:sp>
       <p:sp>
         <p:nvSpPr>
-          <p:cNvPr id="2" name="Subtitle 1"/>
+          <p:cNvPr id="3" name="Subtitle 2"/>
           <p:cNvSpPr>
             <a:spLocks noGrp="1"/>
           </p:cNvSpPr>
@@ -3926,10 +4016,7 @@
           <a:bodyPr/>
           <a:lstStyle/>
           <a:p>
-            <a:r>
-              <a:rPr lang="en-US" dirty="0" smtClean="0"/>
-              <a:t>Von Bertalanffy Models</a:t>
-            </a:r>
+            <a:endParaRPr lang="en-US"/>
           </a:p>
         </p:txBody>
       </p:sp>
@@ -4003,16 +4090,21 @@
             <p:ph type="ftr" sz="quarter" idx="10"/>
           </p:nvPr>
         </p:nvSpPr>
-        <p:spPr/>
+        <p:spPr>
+          <a:xfrm>
+            <a:off x="45014" y="6550025"/>
+            <a:ext cx="4298386" cy="307975"/>
+          </a:xfrm>
+        </p:spPr>
         <p:txBody>
           <a:bodyPr/>
           <a:lstStyle/>
           <a:p>
             <a:r>
-              <a:rPr lang="en-US" smtClean="0"/>
-              <a:t>AFS15 - Growth Comparison</a:t>
-            </a:r>
-            <a:endParaRPr lang="en-US"/>
+              <a:rPr lang="en-US" dirty="0" smtClean="0"/>
+              <a:t>Age &amp; Growth R  ●  Portland, OR ●  16 August 2015</a:t>
+            </a:r>
+            <a:endParaRPr lang="en-US" dirty="0"/>
           </a:p>
         </p:txBody>
       </p:sp>
@@ -4049,7 +4141,7 @@
           <p:nvPr/>
         </p:nvPicPr>
         <p:blipFill>
-          <a:blip r:embed="rId2"/>
+          <a:blip r:embed="rId3"/>
           <a:stretch>
             <a:fillRect/>
           </a:stretch>
@@ -4648,7 +4740,7 @@
           <a:p>
             <a:r>
               <a:rPr lang="en-US" smtClean="0"/>
-              <a:t>AFS15 - Growth Comparison</a:t>
+              <a:t>Age &amp; Growth R  ●  Portland, OR ●  16 August 2015</a:t>
             </a:r>
             <a:endParaRPr lang="en-US"/>
           </a:p>
@@ -5148,7 +5240,7 @@
           <a:p>
             <a:r>
               <a:rPr lang="en-US" smtClean="0"/>
-              <a:t>AFS15 - Growth Comparison</a:t>
+              <a:t>Age &amp; Growth R  ●  Portland, OR ●  16 August 2015</a:t>
             </a:r>
             <a:endParaRPr lang="en-US"/>
           </a:p>
@@ -5955,7 +6047,7 @@
           <a:p>
             <a:r>
               <a:rPr lang="en-US" smtClean="0"/>
-              <a:t>AFS15 - Growth Comparison</a:t>
+              <a:t>Age &amp; Growth R  ●  Portland, OR ●  16 August 2015</a:t>
             </a:r>
             <a:endParaRPr lang="en-US"/>
           </a:p>
@@ -6817,7 +6909,7 @@
           <a:p>
             <a:r>
               <a:rPr lang="en-US" smtClean="0"/>
-              <a:t>AFS15 - Growth Comparison</a:t>
+              <a:t>Age &amp; Growth R  ●  Portland, OR ●  16 August 2015</a:t>
             </a:r>
             <a:endParaRPr lang="en-US"/>
           </a:p>
@@ -7420,7 +7512,7 @@
           <a:p>
             <a:r>
               <a:rPr lang="en-US" smtClean="0"/>
-              <a:t>AFS15 - Growth Comparison</a:t>
+              <a:t>Age &amp; Growth R  ●  Portland, OR ●  16 August 2015</a:t>
             </a:r>
             <a:endParaRPr lang="en-US"/>
           </a:p>
@@ -7460,6 +7552,13 @@
   <p:clrMapOvr>
     <a:masterClrMapping/>
   </p:clrMapOvr>
+  <p:timing>
+    <p:tnLst>
+      <p:par>
+        <p:cTn id="1" dur="indefinite" restart="never" nodeType="tmRoot"/>
+      </p:par>
+    </p:tnLst>
+  </p:timing>
 </p:sld>
 </file>
 
